--- a/第一次组会_2018.10.08.pptx
+++ b/第一次组会_2018.10.08.pptx
@@ -302,7 +302,7 @@
           <a:p>
             <a:fld id="{7E87FB35-A09B-4F84-94E5-B82BF19676E7}" type="datetimeFigureOut">
               <a:rPr lang="zh-CN" altLang="en-US" smtClean="0"/>
-              <a:t>2018/10/13</a:t>
+              <a:t>2018/11/7</a:t>
             </a:fld>
             <a:endParaRPr lang="zh-CN" altLang="en-US"/>
           </a:p>
@@ -500,7 +500,7 @@
           <a:p>
             <a:fld id="{7E87FB35-A09B-4F84-94E5-B82BF19676E7}" type="datetimeFigureOut">
               <a:rPr lang="zh-CN" altLang="en-US" smtClean="0"/>
-              <a:t>2018/10/13</a:t>
+              <a:t>2018/11/7</a:t>
             </a:fld>
             <a:endParaRPr lang="zh-CN" altLang="en-US"/>
           </a:p>
@@ -708,7 +708,7 @@
           <a:p>
             <a:fld id="{7E87FB35-A09B-4F84-94E5-B82BF19676E7}" type="datetimeFigureOut">
               <a:rPr lang="zh-CN" altLang="en-US" smtClean="0"/>
-              <a:t>2018/10/13</a:t>
+              <a:t>2018/11/7</a:t>
             </a:fld>
             <a:endParaRPr lang="zh-CN" altLang="en-US"/>
           </a:p>
@@ -906,7 +906,7 @@
           <a:p>
             <a:fld id="{7E87FB35-A09B-4F84-94E5-B82BF19676E7}" type="datetimeFigureOut">
               <a:rPr lang="zh-CN" altLang="en-US" smtClean="0"/>
-              <a:t>2018/10/13</a:t>
+              <a:t>2018/11/7</a:t>
             </a:fld>
             <a:endParaRPr lang="zh-CN" altLang="en-US"/>
           </a:p>
@@ -1181,7 +1181,7 @@
           <a:p>
             <a:fld id="{7E87FB35-A09B-4F84-94E5-B82BF19676E7}" type="datetimeFigureOut">
               <a:rPr lang="zh-CN" altLang="en-US" smtClean="0"/>
-              <a:t>2018/10/13</a:t>
+              <a:t>2018/11/7</a:t>
             </a:fld>
             <a:endParaRPr lang="zh-CN" altLang="en-US"/>
           </a:p>
@@ -1446,7 +1446,7 @@
           <a:p>
             <a:fld id="{7E87FB35-A09B-4F84-94E5-B82BF19676E7}" type="datetimeFigureOut">
               <a:rPr lang="zh-CN" altLang="en-US" smtClean="0"/>
-              <a:t>2018/10/13</a:t>
+              <a:t>2018/11/7</a:t>
             </a:fld>
             <a:endParaRPr lang="zh-CN" altLang="en-US"/>
           </a:p>
@@ -1858,7 +1858,7 @@
           <a:p>
             <a:fld id="{7E87FB35-A09B-4F84-94E5-B82BF19676E7}" type="datetimeFigureOut">
               <a:rPr lang="zh-CN" altLang="en-US" smtClean="0"/>
-              <a:t>2018/10/13</a:t>
+              <a:t>2018/11/7</a:t>
             </a:fld>
             <a:endParaRPr lang="zh-CN" altLang="en-US"/>
           </a:p>
@@ -1999,7 +1999,7 @@
           <a:p>
             <a:fld id="{7E87FB35-A09B-4F84-94E5-B82BF19676E7}" type="datetimeFigureOut">
               <a:rPr lang="zh-CN" altLang="en-US" smtClean="0"/>
-              <a:t>2018/10/13</a:t>
+              <a:t>2018/11/7</a:t>
             </a:fld>
             <a:endParaRPr lang="zh-CN" altLang="en-US"/>
           </a:p>
@@ -2112,7 +2112,7 @@
           <a:p>
             <a:fld id="{7E87FB35-A09B-4F84-94E5-B82BF19676E7}" type="datetimeFigureOut">
               <a:rPr lang="zh-CN" altLang="en-US" smtClean="0"/>
-              <a:t>2018/10/13</a:t>
+              <a:t>2018/11/7</a:t>
             </a:fld>
             <a:endParaRPr lang="zh-CN" altLang="en-US"/>
           </a:p>
@@ -2423,7 +2423,7 @@
           <a:p>
             <a:fld id="{7E87FB35-A09B-4F84-94E5-B82BF19676E7}" type="datetimeFigureOut">
               <a:rPr lang="zh-CN" altLang="en-US" smtClean="0"/>
-              <a:t>2018/10/13</a:t>
+              <a:t>2018/11/7</a:t>
             </a:fld>
             <a:endParaRPr lang="zh-CN" altLang="en-US"/>
           </a:p>
@@ -2711,7 +2711,7 @@
           <a:p>
             <a:fld id="{7E87FB35-A09B-4F84-94E5-B82BF19676E7}" type="datetimeFigureOut">
               <a:rPr lang="zh-CN" altLang="en-US" smtClean="0"/>
-              <a:t>2018/10/13</a:t>
+              <a:t>2018/11/7</a:t>
             </a:fld>
             <a:endParaRPr lang="zh-CN" altLang="en-US"/>
           </a:p>
@@ -2952,7 +2952,7 @@
           <a:p>
             <a:fld id="{7E87FB35-A09B-4F84-94E5-B82BF19676E7}" type="datetimeFigureOut">
               <a:rPr lang="zh-CN" altLang="en-US" smtClean="0"/>
-              <a:t>2018/10/13</a:t>
+              <a:t>2018/11/7</a:t>
             </a:fld>
             <a:endParaRPr lang="zh-CN" altLang="en-US"/>
           </a:p>
@@ -4358,8 +4358,8 @@
         </p:blipFill>
         <p:spPr>
           <a:xfrm>
-            <a:off x="4515556" y="2396536"/>
-            <a:ext cx="7441199" cy="2951928"/>
+            <a:off x="4820284" y="2517422"/>
+            <a:ext cx="7136471" cy="2831042"/>
           </a:xfrm>
           <a:prstGeom prst="rect">
             <a:avLst/>
@@ -5088,7 +5088,15 @@
             </a:pPr>
             <a:r>
               <a:rPr lang="en-US" altLang="zh-CN" dirty="0"/>
-              <a:t>very Deep Convolutional Networks for Large-Scale Image Recognition</a:t>
+              <a:t>V</a:t>
+            </a:r>
+            <a:r>
+              <a:rPr lang="en-US" altLang="zh-CN"/>
+              <a:t>ery </a:t>
+            </a:r>
+            <a:r>
+              <a:rPr lang="en-US" altLang="zh-CN" dirty="0"/>
+              <a:t>Deep Convolutional Networks for Large-Scale Image Recognition</a:t>
             </a:r>
             <a:endParaRPr lang="zh-CN" altLang="en-US" dirty="0"/>
           </a:p>
